--- a/2.0/We Are Ready.pptx
+++ b/2.0/We Are Ready.pptx
@@ -11,7 +11,8 @@
     <p:sldId id="259" r:id="rId5"/>
     <p:sldId id="260" r:id="rId6"/>
     <p:sldId id="261" r:id="rId7"/>
-    <p:sldId id="262" r:id="rId8"/>
+    <p:sldId id="263" r:id="rId8"/>
+    <p:sldId id="262" r:id="rId9"/>
   </p:sldIdLst>
   <p:sldSz cx="12192000" cy="6858000"/>
   <p:notesSz cx="6858000" cy="9144000"/>
@@ -3053,6 +3054,14 @@
   <p:clrMapOvr>
     <a:masterClrMapping/>
   </p:clrMapOvr>
+  <mc:AlternateContent xmlns:mc="http://schemas.openxmlformats.org/markup-compatibility/2006">
+    <mc:Choice xmlns:p14="http://schemas.microsoft.com/office/powerpoint/2010/main" Requires="p14">
+      <p:transition spd="slow" p14:dur="2000" advClick="0" advTm="5000"/>
+    </mc:Choice>
+    <mc:Fallback>
+      <p:transition spd="slow" advClick="0" advTm="5000"/>
+    </mc:Fallback>
+  </mc:AlternateContent>
   <p:timing>
     <p:tnLst>
       <p:par>
@@ -3179,6 +3188,14 @@
   <p:clrMapOvr>
     <a:masterClrMapping/>
   </p:clrMapOvr>
+  <mc:AlternateContent xmlns:mc="http://schemas.openxmlformats.org/markup-compatibility/2006">
+    <mc:Choice xmlns:p14="http://schemas.microsoft.com/office/powerpoint/2010/main" Requires="p14">
+      <p:transition spd="slow" p14:dur="2000" advClick="0" advTm="15000"/>
+    </mc:Choice>
+    <mc:Fallback>
+      <p:transition spd="slow" advClick="0" advTm="15000"/>
+    </mc:Fallback>
+  </mc:AlternateContent>
   <p:timing>
     <p:tnLst>
       <p:par>
@@ -3317,6 +3334,14 @@
   <p:clrMapOvr>
     <a:masterClrMapping/>
   </p:clrMapOvr>
+  <mc:AlternateContent xmlns:mc="http://schemas.openxmlformats.org/markup-compatibility/2006">
+    <mc:Choice xmlns:p14="http://schemas.microsoft.com/office/powerpoint/2010/main" Requires="p14">
+      <p:transition spd="slow" p14:dur="2000" advTm="29000"/>
+    </mc:Choice>
+    <mc:Fallback>
+      <p:transition spd="slow" advTm="29000"/>
+    </mc:Fallback>
+  </mc:AlternateContent>
   <p:timing>
     <p:tnLst>
       <p:par>
@@ -3732,6 +3757,318 @@
   <p:clrMapOvr>
     <a:masterClrMapping/>
   </p:clrMapOvr>
+  <mc:AlternateContent xmlns:mc="http://schemas.openxmlformats.org/markup-compatibility/2006">
+    <mc:Choice xmlns:p14="http://schemas.microsoft.com/office/powerpoint/2010/main" Requires="p14">
+      <p:transition spd="slow" p14:dur="2000" advTm="50000"/>
+    </mc:Choice>
+    <mc:Fallback>
+      <p:transition spd="slow" advTm="50000"/>
+    </mc:Fallback>
+  </mc:AlternateContent>
+  <p:timing>
+    <p:tnLst>
+      <p:par>
+        <p:cTn id="1" dur="indefinite" restart="never" nodeType="tmRoot"/>
+      </p:par>
+    </p:tnLst>
+  </p:timing>
+</p:sld>
+</file>
+
+<file path=ppt/slides/slide5.xml><?xml version="1.0" encoding="utf-8"?>
+<p:sld xmlns:a="http://schemas.openxmlformats.org/drawingml/2006/main" xmlns:r="http://schemas.openxmlformats.org/officeDocument/2006/relationships" xmlns:p="http://schemas.openxmlformats.org/presentationml/2006/main">
+  <p:cSld>
+    <p:spTree>
+      <p:nvGrpSpPr>
+        <p:cNvPr id="1" name=""/>
+        <p:cNvGrpSpPr/>
+        <p:nvPr/>
+      </p:nvGrpSpPr>
+      <p:grpSpPr>
+        <a:xfrm>
+          <a:off x="0" y="0"/>
+          <a:ext cx="0" cy="0"/>
+          <a:chOff x="0" y="0"/>
+          <a:chExt cx="0" cy="0"/>
+        </a:xfrm>
+      </p:grpSpPr>
+      <p:sp>
+        <p:nvSpPr>
+          <p:cNvPr id="4" name="Title 3"/>
+          <p:cNvSpPr>
+            <a:spLocks noGrp="1"/>
+          </p:cNvSpPr>
+          <p:nvPr>
+            <p:ph type="title"/>
+          </p:nvPr>
+        </p:nvSpPr>
+        <p:spPr/>
+        <p:txBody>
+          <a:bodyPr/>
+          <a:lstStyle/>
+          <a:p>
+            <a:r>
+              <a:rPr lang="en-US" dirty="0" smtClean="0"/>
+              <a:t>Costs</a:t>
+            </a:r>
+            <a:endParaRPr lang="en-GB" dirty="0"/>
+          </a:p>
+        </p:txBody>
+      </p:sp>
+      <p:sp>
+        <p:nvSpPr>
+          <p:cNvPr id="5" name="Content Placeholder 4"/>
+          <p:cNvSpPr>
+            <a:spLocks noGrp="1"/>
+          </p:cNvSpPr>
+          <p:nvPr>
+            <p:ph idx="1"/>
+          </p:nvPr>
+        </p:nvSpPr>
+        <p:spPr/>
+        <p:txBody>
+          <a:bodyPr>
+            <a:normAutofit fontScale="92500"/>
+          </a:bodyPr>
+          <a:lstStyle/>
+          <a:p>
+            <a:r>
+              <a:rPr lang="en-US" dirty="0" smtClean="0"/>
+              <a:t>Tags cost Rs.35-70 ( few cents to $1 depending on durability)</a:t>
+            </a:r>
+          </a:p>
+          <a:p>
+            <a:r>
+              <a:rPr lang="en-US" dirty="0" smtClean="0"/>
+              <a:t>Cheap readers without display cost Rs.2500 ($45) </a:t>
+            </a:r>
+          </a:p>
+          <a:p>
+            <a:r>
+              <a:rPr lang="en-US" dirty="0" smtClean="0"/>
+              <a:t>User Registration volunteers, Rescue workers/Medical Unit/Doctors can user Android Phones/Windows Phones by downloading the app</a:t>
+            </a:r>
+          </a:p>
+          <a:p>
+            <a:r>
+              <a:rPr lang="en-US" dirty="0" smtClean="0"/>
+              <a:t>Users pay small amount (Rs.50) for each tag. If user returns the tags in reusable condition, can get back part of the money</a:t>
+            </a:r>
+          </a:p>
+          <a:p>
+            <a:r>
+              <a:rPr lang="en-US" dirty="0" smtClean="0"/>
+              <a:t>User can register for SMS package that sends a message to emergency contact’s phone when user crosses any checkpoint, for a small fee (Rs.25)</a:t>
+            </a:r>
+          </a:p>
+          <a:p>
+            <a:r>
+              <a:rPr lang="en-US" dirty="0" smtClean="0"/>
+              <a:t>Cost effective solution from day one of implementation and break even within months if visitor inflow is huge</a:t>
+            </a:r>
+            <a:endParaRPr lang="en-GB" dirty="0"/>
+          </a:p>
+        </p:txBody>
+      </p:sp>
+    </p:spTree>
+    <p:extLst>
+      <p:ext uri="{BB962C8B-B14F-4D97-AF65-F5344CB8AC3E}">
+        <p14:creationId xmlns:p14="http://schemas.microsoft.com/office/powerpoint/2010/main" val="198185372"/>
+      </p:ext>
+    </p:extLst>
+  </p:cSld>
+  <p:clrMapOvr>
+    <a:masterClrMapping/>
+  </p:clrMapOvr>
+  <mc:AlternateContent xmlns:mc="http://schemas.openxmlformats.org/markup-compatibility/2006">
+    <mc:Choice xmlns:p14="http://schemas.microsoft.com/office/powerpoint/2010/main" Requires="p14">
+      <p:transition spd="slow" p14:dur="2000" advTm="30000"/>
+    </mc:Choice>
+    <mc:Fallback>
+      <p:transition spd="slow" advTm="30000"/>
+    </mc:Fallback>
+  </mc:AlternateContent>
+  <p:timing>
+    <p:tnLst>
+      <p:par>
+        <p:cTn id="1" dur="indefinite" restart="never" nodeType="tmRoot"/>
+      </p:par>
+    </p:tnLst>
+  </p:timing>
+</p:sld>
+</file>
+
+<file path=ppt/slides/slide6.xml><?xml version="1.0" encoding="utf-8"?>
+<p:sld xmlns:a="http://schemas.openxmlformats.org/drawingml/2006/main" xmlns:r="http://schemas.openxmlformats.org/officeDocument/2006/relationships" xmlns:p="http://schemas.openxmlformats.org/presentationml/2006/main">
+  <p:cSld>
+    <p:spTree>
+      <p:nvGrpSpPr>
+        <p:cNvPr id="1" name=""/>
+        <p:cNvGrpSpPr/>
+        <p:nvPr/>
+      </p:nvGrpSpPr>
+      <p:grpSpPr>
+        <a:xfrm>
+          <a:off x="0" y="0"/>
+          <a:ext cx="0" cy="0"/>
+          <a:chOff x="0" y="0"/>
+          <a:chExt cx="0" cy="0"/>
+        </a:xfrm>
+      </p:grpSpPr>
+      <p:sp>
+        <p:nvSpPr>
+          <p:cNvPr id="2" name="Title 1"/>
+          <p:cNvSpPr>
+            <a:spLocks noGrp="1"/>
+          </p:cNvSpPr>
+          <p:nvPr>
+            <p:ph type="title"/>
+          </p:nvPr>
+        </p:nvSpPr>
+        <p:spPr/>
+        <p:txBody>
+          <a:bodyPr/>
+          <a:lstStyle/>
+          <a:p>
+            <a:r>
+              <a:rPr lang="en-US" dirty="0" smtClean="0"/>
+              <a:t>Code</a:t>
+            </a:r>
+            <a:endParaRPr lang="en-GB" dirty="0"/>
+          </a:p>
+        </p:txBody>
+      </p:sp>
+      <p:sp>
+        <p:nvSpPr>
+          <p:cNvPr id="3" name="Content Placeholder 2"/>
+          <p:cNvSpPr>
+            <a:spLocks noGrp="1"/>
+          </p:cNvSpPr>
+          <p:nvPr>
+            <p:ph idx="1"/>
+          </p:nvPr>
+        </p:nvSpPr>
+        <p:spPr/>
+        <p:txBody>
+          <a:bodyPr/>
+          <a:lstStyle/>
+          <a:p>
+            <a:r>
+              <a:rPr lang="en-GB" dirty="0" smtClean="0">
+                <a:hlinkClick r:id="rId2"/>
+              </a:rPr>
+              <a:t>https://github.com/code-for-india/weareready</a:t>
+            </a:r>
+            <a:r>
+              <a:rPr lang="en-GB" dirty="0" smtClean="0"/>
+              <a:t> </a:t>
+            </a:r>
+            <a:r>
+              <a:rPr lang="en-US" dirty="0" smtClean="0"/>
+              <a:t>Contains </a:t>
+            </a:r>
+          </a:p>
+          <a:p>
+            <a:pPr lvl="1"/>
+            <a:r>
+              <a:rPr lang="en-US" dirty="0" smtClean="0"/>
+              <a:t>SQL Server Script</a:t>
+            </a:r>
+          </a:p>
+          <a:p>
+            <a:pPr lvl="2"/>
+            <a:r>
+              <a:rPr lang="en-US" dirty="0" smtClean="0"/>
+              <a:t>Demo SQL server is hosted in </a:t>
+            </a:r>
+            <a:r>
+              <a:rPr lang="en-US" dirty="0" err="1" smtClean="0"/>
+              <a:t>appharbor</a:t>
+            </a:r>
+            <a:endParaRPr lang="en-US" dirty="0" smtClean="0"/>
+          </a:p>
+          <a:p>
+            <a:pPr lvl="1"/>
+            <a:r>
+              <a:rPr lang="en-US" dirty="0" smtClean="0"/>
+              <a:t>REST API Server [</a:t>
+            </a:r>
+            <a:r>
+              <a:rPr lang="en-US" dirty="0" err="1" smtClean="0"/>
+              <a:t>ASP.Net</a:t>
+            </a:r>
+            <a:r>
+              <a:rPr lang="en-US" dirty="0" smtClean="0"/>
+              <a:t> MVC5 WebAPI2]</a:t>
+            </a:r>
+          </a:p>
+          <a:p>
+            <a:pPr lvl="2"/>
+            <a:r>
+              <a:rPr lang="en-US" dirty="0" smtClean="0"/>
+              <a:t>Demo Application is hosted at </a:t>
+            </a:r>
+            <a:r>
+              <a:rPr lang="en-US" dirty="0" smtClean="0">
+                <a:hlinkClick r:id="rId3"/>
+              </a:rPr>
+              <a:t>http://weareready.apphb.com/Help</a:t>
+            </a:r>
+            <a:r>
+              <a:rPr lang="en-US" dirty="0" smtClean="0"/>
+              <a:t> </a:t>
+            </a:r>
+          </a:p>
+          <a:p>
+            <a:pPr lvl="1"/>
+            <a:r>
+              <a:rPr lang="en-US" dirty="0" smtClean="0"/>
+              <a:t>Android application </a:t>
+            </a:r>
+          </a:p>
+          <a:p>
+            <a:pPr lvl="2"/>
+            <a:r>
+              <a:rPr lang="en-US" dirty="0" smtClean="0"/>
+              <a:t>Code ready to build in Eclipse</a:t>
+            </a:r>
+            <a:endParaRPr lang="en-US" dirty="0"/>
+          </a:p>
+          <a:p>
+            <a:pPr lvl="1"/>
+            <a:r>
+              <a:rPr lang="en-US" dirty="0" smtClean="0"/>
+              <a:t>Login as ‘reg1’ (for user registration), ‘cp1’, ‘cp2’ (for checkpoint volunteer),  ‘res’ (for rescue professionals), ‘air’ ( for ambulance/airlifters), ‘doc’ ( for doctors). Password for all users is ‘pass’</a:t>
+            </a:r>
+          </a:p>
+          <a:p>
+            <a:pPr lvl="2"/>
+            <a:endParaRPr lang="en-US" dirty="0"/>
+          </a:p>
+          <a:p>
+            <a:pPr lvl="2"/>
+            <a:endParaRPr lang="en-US" dirty="0"/>
+          </a:p>
+        </p:txBody>
+      </p:sp>
+    </p:spTree>
+    <p:extLst>
+      <p:ext uri="{BB962C8B-B14F-4D97-AF65-F5344CB8AC3E}">
+        <p14:creationId xmlns:p14="http://schemas.microsoft.com/office/powerpoint/2010/main" val="3430666079"/>
+      </p:ext>
+    </p:extLst>
+  </p:cSld>
+  <p:clrMapOvr>
+    <a:masterClrMapping/>
+  </p:clrMapOvr>
+  <mc:AlternateContent xmlns:mc="http://schemas.openxmlformats.org/markup-compatibility/2006">
+    <mc:Choice xmlns:p14="http://schemas.microsoft.com/office/powerpoint/2010/main" Requires="p14">
+      <p:transition spd="slow" p14:dur="2000" advTm="40000"/>
+    </mc:Choice>
+    <mc:Fallback>
+      <p:transition spd="slow" advTm="40000"/>
+    </mc:Fallback>
+  </mc:AlternateContent>
   <p:timing>
     <p:tnLst>
       <p:par>
@@ -3753,7 +4090,7 @@
                             </p:stCondLst>
                             <p:childTnLst>
                               <p:par>
-                                <p:cTn id="5" presetID="1" presetClass="entr" presetSubtype="0" fill="hold" nodeType="clickEffect">
+                                <p:cTn id="5" presetID="1" presetClass="entr" presetSubtype="0" fill="hold" grpId="0" nodeType="clickEffect">
                                   <p:stCondLst>
                                     <p:cond delay="0"/>
                                   </p:stCondLst>
@@ -3766,7 +4103,11 @@
                                           </p:stCondLst>
                                         </p:cTn>
                                         <p:tgtEl>
-                                          <p:spTgt spid="4"/>
+                                          <p:spTgt spid="3">
+                                            <p:txEl>
+                                              <p:pRg st="0" end="0"/>
+                                            </p:txEl>
+                                          </p:spTgt>
                                         </p:tgtEl>
                                         <p:attrNameLst>
                                           <p:attrName>style.visibility</p:attrName>
@@ -3779,26 +4120,39 @@
                                   </p:childTnLst>
                                 </p:cTn>
                               </p:par>
-                            </p:childTnLst>
-                          </p:cTn>
-                        </p:par>
-                      </p:childTnLst>
-                    </p:cTn>
-                  </p:par>
-                  <p:par>
-                    <p:cTn id="7" fill="hold">
-                      <p:stCondLst>
-                        <p:cond delay="indefinite"/>
-                      </p:stCondLst>
-                      <p:childTnLst>
-                        <p:par>
-                          <p:cTn id="8" fill="hold">
-                            <p:stCondLst>
-                              <p:cond delay="0"/>
-                            </p:stCondLst>
-                            <p:childTnLst>
                               <p:par>
-                                <p:cTn id="9" presetID="1" presetClass="entr" presetSubtype="0" fill="hold" nodeType="clickEffect">
+                                <p:cTn id="7" presetID="1" presetClass="entr" presetSubtype="0" fill="hold" grpId="0" nodeType="withEffect">
+                                  <p:stCondLst>
+                                    <p:cond delay="0"/>
+                                  </p:stCondLst>
+                                  <p:childTnLst>
+                                    <p:set>
+                                      <p:cBhvr>
+                                        <p:cTn id="8" dur="1" fill="hold">
+                                          <p:stCondLst>
+                                            <p:cond delay="0"/>
+                                          </p:stCondLst>
+                                        </p:cTn>
+                                        <p:tgtEl>
+                                          <p:spTgt spid="3">
+                                            <p:txEl>
+                                              <p:pRg st="1" end="1"/>
+                                            </p:txEl>
+                                          </p:spTgt>
+                                        </p:tgtEl>
+                                        <p:attrNameLst>
+                                          <p:attrName>style.visibility</p:attrName>
+                                        </p:attrNameLst>
+                                      </p:cBhvr>
+                                      <p:to>
+                                        <p:strVal val="visible"/>
+                                      </p:to>
+                                    </p:set>
+                                  </p:childTnLst>
+                                </p:cTn>
+                              </p:par>
+                              <p:par>
+                                <p:cTn id="9" presetID="1" presetClass="entr" presetSubtype="0" fill="hold" grpId="0" nodeType="withEffect">
                                   <p:stCondLst>
                                     <p:cond delay="0"/>
                                   </p:stCondLst>
@@ -3811,7 +4165,11 @@
                                           </p:stCondLst>
                                         </p:cTn>
                                         <p:tgtEl>
-                                          <p:spTgt spid="5"/>
+                                          <p:spTgt spid="3">
+                                            <p:txEl>
+                                              <p:pRg st="2" end="2"/>
+                                            </p:txEl>
+                                          </p:spTgt>
                                         </p:tgtEl>
                                         <p:attrNameLst>
                                           <p:attrName>style.visibility</p:attrName>
@@ -3824,26 +4182,39 @@
                                   </p:childTnLst>
                                 </p:cTn>
                               </p:par>
-                            </p:childTnLst>
-                          </p:cTn>
-                        </p:par>
-                      </p:childTnLst>
-                    </p:cTn>
-                  </p:par>
-                  <p:par>
-                    <p:cTn id="11" fill="hold">
-                      <p:stCondLst>
-                        <p:cond delay="indefinite"/>
-                      </p:stCondLst>
-                      <p:childTnLst>
-                        <p:par>
-                          <p:cTn id="12" fill="hold">
-                            <p:stCondLst>
-                              <p:cond delay="0"/>
-                            </p:stCondLst>
-                            <p:childTnLst>
                               <p:par>
-                                <p:cTn id="13" presetID="1" presetClass="entr" presetSubtype="0" fill="hold" nodeType="clickEffect">
+                                <p:cTn id="11" presetID="1" presetClass="entr" presetSubtype="0" fill="hold" grpId="0" nodeType="withEffect">
+                                  <p:stCondLst>
+                                    <p:cond delay="0"/>
+                                  </p:stCondLst>
+                                  <p:childTnLst>
+                                    <p:set>
+                                      <p:cBhvr>
+                                        <p:cTn id="12" dur="1" fill="hold">
+                                          <p:stCondLst>
+                                            <p:cond delay="0"/>
+                                          </p:stCondLst>
+                                        </p:cTn>
+                                        <p:tgtEl>
+                                          <p:spTgt spid="3">
+                                            <p:txEl>
+                                              <p:pRg st="3" end="3"/>
+                                            </p:txEl>
+                                          </p:spTgt>
+                                        </p:tgtEl>
+                                        <p:attrNameLst>
+                                          <p:attrName>style.visibility</p:attrName>
+                                        </p:attrNameLst>
+                                      </p:cBhvr>
+                                      <p:to>
+                                        <p:strVal val="visible"/>
+                                      </p:to>
+                                    </p:set>
+                                  </p:childTnLst>
+                                </p:cTn>
+                              </p:par>
+                              <p:par>
+                                <p:cTn id="13" presetID="1" presetClass="entr" presetSubtype="0" fill="hold" grpId="0" nodeType="withEffect">
                                   <p:stCondLst>
                                     <p:cond delay="0"/>
                                   </p:stCondLst>
@@ -3856,7 +4227,11 @@
                                           </p:stCondLst>
                                         </p:cTn>
                                         <p:tgtEl>
-                                          <p:spTgt spid="6"/>
+                                          <p:spTgt spid="3">
+                                            <p:txEl>
+                                              <p:pRg st="4" end="4"/>
+                                            </p:txEl>
+                                          </p:spTgt>
                                         </p:tgtEl>
                                         <p:attrNameLst>
                                           <p:attrName>style.visibility</p:attrName>
@@ -3869,26 +4244,39 @@
                                   </p:childTnLst>
                                 </p:cTn>
                               </p:par>
-                            </p:childTnLst>
-                          </p:cTn>
-                        </p:par>
-                      </p:childTnLst>
-                    </p:cTn>
-                  </p:par>
-                  <p:par>
-                    <p:cTn id="15" fill="hold">
-                      <p:stCondLst>
-                        <p:cond delay="indefinite"/>
-                      </p:stCondLst>
-                      <p:childTnLst>
-                        <p:par>
-                          <p:cTn id="16" fill="hold">
-                            <p:stCondLst>
-                              <p:cond delay="0"/>
-                            </p:stCondLst>
-                            <p:childTnLst>
                               <p:par>
-                                <p:cTn id="17" presetID="1" presetClass="entr" presetSubtype="0" fill="hold" nodeType="clickEffect">
+                                <p:cTn id="15" presetID="1" presetClass="entr" presetSubtype="0" fill="hold" grpId="0" nodeType="withEffect">
+                                  <p:stCondLst>
+                                    <p:cond delay="0"/>
+                                  </p:stCondLst>
+                                  <p:childTnLst>
+                                    <p:set>
+                                      <p:cBhvr>
+                                        <p:cTn id="16" dur="1" fill="hold">
+                                          <p:stCondLst>
+                                            <p:cond delay="0"/>
+                                          </p:stCondLst>
+                                        </p:cTn>
+                                        <p:tgtEl>
+                                          <p:spTgt spid="3">
+                                            <p:txEl>
+                                              <p:pRg st="5" end="5"/>
+                                            </p:txEl>
+                                          </p:spTgt>
+                                        </p:tgtEl>
+                                        <p:attrNameLst>
+                                          <p:attrName>style.visibility</p:attrName>
+                                        </p:attrNameLst>
+                                      </p:cBhvr>
+                                      <p:to>
+                                        <p:strVal val="visible"/>
+                                      </p:to>
+                                    </p:set>
+                                  </p:childTnLst>
+                                </p:cTn>
+                              </p:par>
+                              <p:par>
+                                <p:cTn id="17" presetID="1" presetClass="entr" presetSubtype="0" fill="hold" grpId="0" nodeType="withEffect">
                                   <p:stCondLst>
                                     <p:cond delay="0"/>
                                   </p:stCondLst>
@@ -3901,7 +4289,42 @@
                                           </p:stCondLst>
                                         </p:cTn>
                                         <p:tgtEl>
-                                          <p:spTgt spid="7"/>
+                                          <p:spTgt spid="3">
+                                            <p:txEl>
+                                              <p:pRg st="6" end="6"/>
+                                            </p:txEl>
+                                          </p:spTgt>
+                                        </p:tgtEl>
+                                        <p:attrNameLst>
+                                          <p:attrName>style.visibility</p:attrName>
+                                        </p:attrNameLst>
+                                      </p:cBhvr>
+                                      <p:to>
+                                        <p:strVal val="visible"/>
+                                      </p:to>
+                                    </p:set>
+                                  </p:childTnLst>
+                                </p:cTn>
+                              </p:par>
+                              <p:par>
+                                <p:cTn id="19" presetID="1" presetClass="entr" presetSubtype="0" fill="hold" grpId="0" nodeType="withEffect">
+                                  <p:stCondLst>
+                                    <p:cond delay="0"/>
+                                  </p:stCondLst>
+                                  <p:childTnLst>
+                                    <p:set>
+                                      <p:cBhvr>
+                                        <p:cTn id="20" dur="1" fill="hold">
+                                          <p:stCondLst>
+                                            <p:cond delay="0"/>
+                                          </p:stCondLst>
+                                        </p:cTn>
+                                        <p:tgtEl>
+                                          <p:spTgt spid="3">
+                                            <p:txEl>
+                                              <p:pRg st="7" end="7"/>
+                                            </p:txEl>
+                                          </p:spTgt>
                                         </p:tgtEl>
                                         <p:attrNameLst>
                                           <p:attrName>style.visibility</p:attrName>
@@ -3941,298 +4364,9 @@
         </p:cTn>
       </p:par>
     </p:tnLst>
-  </p:timing>
-</p:sld>
-</file>
-
-<file path=ppt/slides/slide5.xml><?xml version="1.0" encoding="utf-8"?>
-<p:sld xmlns:a="http://schemas.openxmlformats.org/drawingml/2006/main" xmlns:r="http://schemas.openxmlformats.org/officeDocument/2006/relationships" xmlns:p="http://schemas.openxmlformats.org/presentationml/2006/main">
-  <p:cSld>
-    <p:spTree>
-      <p:nvGrpSpPr>
-        <p:cNvPr id="1" name=""/>
-        <p:cNvGrpSpPr/>
-        <p:nvPr/>
-      </p:nvGrpSpPr>
-      <p:grpSpPr>
-        <a:xfrm>
-          <a:off x="0" y="0"/>
-          <a:ext cx="0" cy="0"/>
-          <a:chOff x="0" y="0"/>
-          <a:chExt cx="0" cy="0"/>
-        </a:xfrm>
-      </p:grpSpPr>
-      <p:sp>
-        <p:nvSpPr>
-          <p:cNvPr id="4" name="Title 3"/>
-          <p:cNvSpPr>
-            <a:spLocks noGrp="1"/>
-          </p:cNvSpPr>
-          <p:nvPr>
-            <p:ph type="title"/>
-          </p:nvPr>
-        </p:nvSpPr>
-        <p:spPr/>
-        <p:txBody>
-          <a:bodyPr/>
-          <a:lstStyle/>
-          <a:p>
-            <a:r>
-              <a:rPr lang="en-US" dirty="0" smtClean="0"/>
-              <a:t>Costs</a:t>
-            </a:r>
-            <a:endParaRPr lang="en-GB" dirty="0"/>
-          </a:p>
-        </p:txBody>
-      </p:sp>
-      <p:sp>
-        <p:nvSpPr>
-          <p:cNvPr id="5" name="Content Placeholder 4"/>
-          <p:cNvSpPr>
-            <a:spLocks noGrp="1"/>
-          </p:cNvSpPr>
-          <p:nvPr>
-            <p:ph idx="1"/>
-          </p:nvPr>
-        </p:nvSpPr>
-        <p:spPr/>
-        <p:txBody>
-          <a:bodyPr>
-            <a:normAutofit fontScale="92500"/>
-          </a:bodyPr>
-          <a:lstStyle/>
-          <a:p>
-            <a:r>
-              <a:rPr lang="en-US" dirty="0" smtClean="0"/>
-              <a:t>Tags cost Rs.35-70 ( few cents to $1 depending on durability)</a:t>
-            </a:r>
-          </a:p>
-          <a:p>
-            <a:r>
-              <a:rPr lang="en-US" dirty="0" smtClean="0"/>
-              <a:t>Cheap readers without display cost Rs.2500 ($45) </a:t>
-            </a:r>
-          </a:p>
-          <a:p>
-            <a:r>
-              <a:rPr lang="en-US" dirty="0" smtClean="0"/>
-              <a:t>User Registration volunteers, Rescue workers/Medical Unit/Doctors can user Android Phones/Windows Phones by downloading the app</a:t>
-            </a:r>
-          </a:p>
-          <a:p>
-            <a:r>
-              <a:rPr lang="en-US" dirty="0" smtClean="0"/>
-              <a:t>Users pay small amount (Rs.50) for each tag. If user returns the tags in reusable condition, can get back part of the money</a:t>
-            </a:r>
-          </a:p>
-          <a:p>
-            <a:r>
-              <a:rPr lang="en-US" dirty="0" smtClean="0"/>
-              <a:t>User can register for SMS package that sends a message to emergency contact’s phone when user crosses any checkpoint, for a small fee (Rs.25)</a:t>
-            </a:r>
-          </a:p>
-          <a:p>
-            <a:r>
-              <a:rPr lang="en-US" dirty="0" smtClean="0"/>
-              <a:t>Cost effective solution from day one of implementation and break even within months if visitor inflow is huge</a:t>
-            </a:r>
-            <a:endParaRPr lang="en-GB" dirty="0"/>
-          </a:p>
-        </p:txBody>
-      </p:sp>
-    </p:spTree>
-    <p:extLst>
-      <p:ext uri="{BB962C8B-B14F-4D97-AF65-F5344CB8AC3E}">
-        <p14:creationId xmlns:p14="http://schemas.microsoft.com/office/powerpoint/2010/main" val="198185372"/>
-      </p:ext>
-    </p:extLst>
-  </p:cSld>
-  <p:clrMapOvr>
-    <a:masterClrMapping/>
-  </p:clrMapOvr>
-  <p:timing>
-    <p:tnLst>
-      <p:par>
-        <p:cTn id="1" dur="indefinite" restart="never" nodeType="tmRoot"/>
-      </p:par>
-    </p:tnLst>
-  </p:timing>
-</p:sld>
-</file>
-
-<file path=ppt/slides/slide6.xml><?xml version="1.0" encoding="utf-8"?>
-<p:sld xmlns:a="http://schemas.openxmlformats.org/drawingml/2006/main" xmlns:r="http://schemas.openxmlformats.org/officeDocument/2006/relationships" xmlns:p="http://schemas.openxmlformats.org/presentationml/2006/main">
-  <p:cSld>
-    <p:spTree>
-      <p:nvGrpSpPr>
-        <p:cNvPr id="1" name=""/>
-        <p:cNvGrpSpPr/>
-        <p:nvPr/>
-      </p:nvGrpSpPr>
-      <p:grpSpPr>
-        <a:xfrm>
-          <a:off x="0" y="0"/>
-          <a:ext cx="0" cy="0"/>
-          <a:chOff x="0" y="0"/>
-          <a:chExt cx="0" cy="0"/>
-        </a:xfrm>
-      </p:grpSpPr>
-      <p:sp>
-        <p:nvSpPr>
-          <p:cNvPr id="2" name="Title 1"/>
-          <p:cNvSpPr>
-            <a:spLocks noGrp="1"/>
-          </p:cNvSpPr>
-          <p:nvPr>
-            <p:ph type="title"/>
-          </p:nvPr>
-        </p:nvSpPr>
-        <p:spPr/>
-        <p:txBody>
-          <a:bodyPr/>
-          <a:lstStyle/>
-          <a:p>
-            <a:r>
-              <a:rPr lang="en-US" dirty="0" smtClean="0"/>
-              <a:t>Code</a:t>
-            </a:r>
-            <a:endParaRPr lang="en-GB" dirty="0"/>
-          </a:p>
-        </p:txBody>
-      </p:sp>
-      <p:sp>
-        <p:nvSpPr>
-          <p:cNvPr id="3" name="Content Placeholder 2"/>
-          <p:cNvSpPr>
-            <a:spLocks noGrp="1"/>
-          </p:cNvSpPr>
-          <p:nvPr>
-            <p:ph idx="1"/>
-          </p:nvPr>
-        </p:nvSpPr>
-        <p:spPr/>
-        <p:txBody>
-          <a:bodyPr/>
-          <a:lstStyle/>
-          <a:p>
-            <a:r>
-              <a:rPr lang="en-GB" dirty="0" smtClean="0">
-                <a:hlinkClick r:id="rId2"/>
-              </a:rPr>
-              <a:t>https://github.com/code-for-india/weareready</a:t>
-            </a:r>
-            <a:r>
-              <a:rPr lang="en-GB" dirty="0" smtClean="0"/>
-              <a:t> </a:t>
-            </a:r>
-            <a:r>
-              <a:rPr lang="en-US" dirty="0" smtClean="0"/>
-              <a:t>Contains </a:t>
-            </a:r>
-          </a:p>
-          <a:p>
-            <a:pPr lvl="1"/>
-            <a:r>
-              <a:rPr lang="en-US" dirty="0" smtClean="0"/>
-              <a:t>SQL Server Script</a:t>
-            </a:r>
-          </a:p>
-          <a:p>
-            <a:pPr lvl="2"/>
-            <a:r>
-              <a:rPr lang="en-US" dirty="0" smtClean="0"/>
-              <a:t>Demo SQL server is hosted in </a:t>
-            </a:r>
-            <a:r>
-              <a:rPr lang="en-US" dirty="0" err="1" smtClean="0"/>
-              <a:t>appharbor</a:t>
-            </a:r>
-            <a:endParaRPr lang="en-US" dirty="0" smtClean="0"/>
-          </a:p>
-          <a:p>
-            <a:pPr lvl="1"/>
-            <a:r>
-              <a:rPr lang="en-US" dirty="0" smtClean="0"/>
-              <a:t>REST API Server [</a:t>
-            </a:r>
-            <a:r>
-              <a:rPr lang="en-US" dirty="0" err="1" smtClean="0"/>
-              <a:t>ASP.Net</a:t>
-            </a:r>
-            <a:r>
-              <a:rPr lang="en-US" dirty="0" smtClean="0"/>
-              <a:t> MVC5 WebAPI2]</a:t>
-            </a:r>
-          </a:p>
-          <a:p>
-            <a:pPr lvl="2"/>
-            <a:r>
-              <a:rPr lang="en-US" dirty="0" smtClean="0"/>
-              <a:t>Demo Application is hosted at </a:t>
-            </a:r>
-            <a:r>
-              <a:rPr lang="en-US" dirty="0" smtClean="0">
-                <a:hlinkClick r:id="rId3"/>
-              </a:rPr>
-              <a:t>http://weareready.apphb.com/Help</a:t>
-            </a:r>
-            <a:r>
-              <a:rPr lang="en-US" dirty="0" smtClean="0"/>
-              <a:t> </a:t>
-            </a:r>
-          </a:p>
-          <a:p>
-            <a:pPr lvl="1"/>
-            <a:r>
-              <a:rPr lang="en-US" dirty="0" smtClean="0"/>
-              <a:t>Android application </a:t>
-            </a:r>
-          </a:p>
-          <a:p>
-            <a:pPr lvl="2"/>
-            <a:r>
-              <a:rPr lang="en-US" dirty="0" smtClean="0"/>
-              <a:t>Code ready to build in </a:t>
-            </a:r>
-            <a:r>
-              <a:rPr lang="en-US" dirty="0" smtClean="0"/>
-              <a:t>Eclipse</a:t>
-            </a:r>
-            <a:endParaRPr lang="en-US" dirty="0"/>
-          </a:p>
-          <a:p>
-            <a:pPr lvl="1"/>
-            <a:r>
-              <a:rPr lang="en-US" dirty="0" smtClean="0"/>
-              <a:t>Login as ‘reg1’ (for user registration), ‘cp1’, ‘cp2’ (for checkpoint volunteer),  ‘res’ (for rescue professionals), ‘air’ ( for ambulance/airlifters), ‘doc’ ( for doctors). Password for all users is ‘pass’</a:t>
-            </a:r>
-          </a:p>
-          <a:p>
-            <a:pPr lvl="2"/>
-            <a:endParaRPr lang="en-US" dirty="0"/>
-          </a:p>
-          <a:p>
-            <a:pPr lvl="2"/>
-            <a:endParaRPr lang="en-US" dirty="0"/>
-          </a:p>
-        </p:txBody>
-      </p:sp>
-    </p:spTree>
-    <p:extLst>
-      <p:ext uri="{BB962C8B-B14F-4D97-AF65-F5344CB8AC3E}">
-        <p14:creationId xmlns:p14="http://schemas.microsoft.com/office/powerpoint/2010/main" val="3430666079"/>
-      </p:ext>
-    </p:extLst>
-  </p:cSld>
-  <p:clrMapOvr>
-    <a:masterClrMapping/>
-  </p:clrMapOvr>
-  <p:timing>
-    <p:tnLst>
-      <p:par>
-        <p:cTn id="1" dur="indefinite" restart="never" nodeType="tmRoot"/>
-      </p:par>
-    </p:tnLst>
+    <p:bldLst>
+      <p:bldP spid="3" grpId="0" build="p"/>
+    </p:bldLst>
   </p:timing>
 </p:sld>
 </file>
@@ -4256,6 +4390,114 @@
       </p:grpSpPr>
       <p:sp>
         <p:nvSpPr>
+          <p:cNvPr id="2" name="Title 1"/>
+          <p:cNvSpPr>
+            <a:spLocks noGrp="1"/>
+          </p:cNvSpPr>
+          <p:nvPr>
+            <p:ph type="title"/>
+          </p:nvPr>
+        </p:nvSpPr>
+        <p:spPr/>
+        <p:txBody>
+          <a:bodyPr/>
+          <a:lstStyle/>
+          <a:p>
+            <a:r>
+              <a:rPr lang="en-US" dirty="0" smtClean="0"/>
+              <a:t>Next Steps</a:t>
+            </a:r>
+            <a:endParaRPr lang="en-GB" dirty="0"/>
+          </a:p>
+        </p:txBody>
+      </p:sp>
+      <p:sp>
+        <p:nvSpPr>
+          <p:cNvPr id="3" name="Content Placeholder 2"/>
+          <p:cNvSpPr>
+            <a:spLocks noGrp="1"/>
+          </p:cNvSpPr>
+          <p:nvPr>
+            <p:ph idx="1"/>
+          </p:nvPr>
+        </p:nvSpPr>
+        <p:spPr/>
+        <p:txBody>
+          <a:bodyPr/>
+          <a:lstStyle/>
+          <a:p>
+            <a:r>
+              <a:rPr lang="en-US" dirty="0" smtClean="0"/>
+              <a:t>Internationalization</a:t>
+            </a:r>
+          </a:p>
+          <a:p>
+            <a:r>
+              <a:rPr lang="en-US" dirty="0" smtClean="0"/>
+              <a:t>More platforms like WP8, Blackberry, Firefox OS, </a:t>
+            </a:r>
+            <a:r>
+              <a:rPr lang="en-US" dirty="0" err="1" smtClean="0"/>
+              <a:t>Tizen</a:t>
+            </a:r>
+            <a:r>
+              <a:rPr lang="en-US" dirty="0" smtClean="0"/>
+              <a:t> </a:t>
+            </a:r>
+            <a:r>
+              <a:rPr lang="en-US" dirty="0" err="1" smtClean="0"/>
+              <a:t>etc</a:t>
+            </a:r>
+            <a:endParaRPr lang="en-US" dirty="0" smtClean="0"/>
+          </a:p>
+          <a:p>
+            <a:r>
+              <a:rPr lang="en-US" dirty="0" smtClean="0"/>
+              <a:t>UI for admin</a:t>
+            </a:r>
+            <a:endParaRPr lang="en-GB" dirty="0"/>
+          </a:p>
+        </p:txBody>
+      </p:sp>
+    </p:spTree>
+    <p:extLst>
+      <p:ext uri="{BB962C8B-B14F-4D97-AF65-F5344CB8AC3E}">
+        <p14:creationId xmlns:p14="http://schemas.microsoft.com/office/powerpoint/2010/main" val="1363008077"/>
+      </p:ext>
+    </p:extLst>
+  </p:cSld>
+  <p:clrMapOvr>
+    <a:masterClrMapping/>
+  </p:clrMapOvr>
+  <p:timing>
+    <p:tnLst>
+      <p:par>
+        <p:cTn id="1" dur="indefinite" restart="never" nodeType="tmRoot"/>
+      </p:par>
+    </p:tnLst>
+  </p:timing>
+</p:sld>
+</file>
+
+<file path=ppt/slides/slide8.xml><?xml version="1.0" encoding="utf-8"?>
+<p:sld xmlns:a="http://schemas.openxmlformats.org/drawingml/2006/main" xmlns:r="http://schemas.openxmlformats.org/officeDocument/2006/relationships" xmlns:p="http://schemas.openxmlformats.org/presentationml/2006/main">
+  <p:cSld>
+    <p:spTree>
+      <p:nvGrpSpPr>
+        <p:cNvPr id="1" name=""/>
+        <p:cNvGrpSpPr/>
+        <p:nvPr/>
+      </p:nvGrpSpPr>
+      <p:grpSpPr>
+        <a:xfrm>
+          <a:off x="0" y="0"/>
+          <a:ext cx="0" cy="0"/>
+          <a:chOff x="0" y="0"/>
+          <a:chExt cx="0" cy="0"/>
+        </a:xfrm>
+      </p:grpSpPr>
+      <p:sp>
+        <p:nvSpPr>
           <p:cNvPr id="4" name="Title 3"/>
           <p:cNvSpPr>
             <a:spLocks noGrp="1"/>
@@ -4327,6 +4569,14 @@
   <p:clrMapOvr>
     <a:masterClrMapping/>
   </p:clrMapOvr>
+  <mc:AlternateContent xmlns:mc="http://schemas.openxmlformats.org/markup-compatibility/2006">
+    <mc:Choice xmlns:p14="http://schemas.microsoft.com/office/powerpoint/2010/main" Requires="p14">
+      <p:transition spd="slow" p14:dur="2000" advTm="20000"/>
+    </mc:Choice>
+    <mc:Fallback>
+      <p:transition spd="slow" advTm="20000"/>
+    </mc:Fallback>
+  </mc:AlternateContent>
   <p:timing>
     <p:tnLst>
       <p:par>
